--- a/docs/resources/figure/make_figs.pptx
+++ b/docs/resources/figure/make_figs.pptx
@@ -198,7 +198,7 @@
           <a:p>
             <a:fld id="{9C87DB71-12EC-6D43-BA27-2ADB0CDE6E8A}" type="datetimeFigureOut">
               <a:rPr lang="en-US" smtClean="0"/>
-              <a:t>7/19/18</a:t>
+              <a:t>7/29/18</a:t>
             </a:fld>
             <a:endParaRPr lang="en-US"/>
           </a:p>
@@ -983,7 +983,7 @@
           <a:p>
             <a:fld id="{844E8EA4-4312-9C48-A4C4-CC98878E32B3}" type="datetimeFigureOut">
               <a:rPr lang="en-US" smtClean="0"/>
-              <a:t>7/19/18</a:t>
+              <a:t>7/29/18</a:t>
             </a:fld>
             <a:endParaRPr lang="en-US"/>
           </a:p>
@@ -1153,7 +1153,7 @@
           <a:p>
             <a:fld id="{844E8EA4-4312-9C48-A4C4-CC98878E32B3}" type="datetimeFigureOut">
               <a:rPr lang="en-US" smtClean="0"/>
-              <a:t>7/19/18</a:t>
+              <a:t>7/29/18</a:t>
             </a:fld>
             <a:endParaRPr lang="en-US"/>
           </a:p>
@@ -1333,7 +1333,7 @@
           <a:p>
             <a:fld id="{844E8EA4-4312-9C48-A4C4-CC98878E32B3}" type="datetimeFigureOut">
               <a:rPr lang="en-US" smtClean="0"/>
-              <a:t>7/19/18</a:t>
+              <a:t>7/29/18</a:t>
             </a:fld>
             <a:endParaRPr lang="en-US"/>
           </a:p>
@@ -1503,7 +1503,7 @@
           <a:p>
             <a:fld id="{844E8EA4-4312-9C48-A4C4-CC98878E32B3}" type="datetimeFigureOut">
               <a:rPr lang="en-US" smtClean="0"/>
-              <a:t>7/19/18</a:t>
+              <a:t>7/29/18</a:t>
             </a:fld>
             <a:endParaRPr lang="en-US"/>
           </a:p>
@@ -1749,7 +1749,7 @@
           <a:p>
             <a:fld id="{844E8EA4-4312-9C48-A4C4-CC98878E32B3}" type="datetimeFigureOut">
               <a:rPr lang="en-US" smtClean="0"/>
-              <a:t>7/19/18</a:t>
+              <a:t>7/29/18</a:t>
             </a:fld>
             <a:endParaRPr lang="en-US"/>
           </a:p>
@@ -2037,7 +2037,7 @@
           <a:p>
             <a:fld id="{844E8EA4-4312-9C48-A4C4-CC98878E32B3}" type="datetimeFigureOut">
               <a:rPr lang="en-US" smtClean="0"/>
-              <a:t>7/19/18</a:t>
+              <a:t>7/29/18</a:t>
             </a:fld>
             <a:endParaRPr lang="en-US"/>
           </a:p>
@@ -2459,7 +2459,7 @@
           <a:p>
             <a:fld id="{844E8EA4-4312-9C48-A4C4-CC98878E32B3}" type="datetimeFigureOut">
               <a:rPr lang="en-US" smtClean="0"/>
-              <a:t>7/19/18</a:t>
+              <a:t>7/29/18</a:t>
             </a:fld>
             <a:endParaRPr lang="en-US"/>
           </a:p>
@@ -2577,7 +2577,7 @@
           <a:p>
             <a:fld id="{844E8EA4-4312-9C48-A4C4-CC98878E32B3}" type="datetimeFigureOut">
               <a:rPr lang="en-US" smtClean="0"/>
-              <a:t>7/19/18</a:t>
+              <a:t>7/29/18</a:t>
             </a:fld>
             <a:endParaRPr lang="en-US"/>
           </a:p>
@@ -2672,7 +2672,7 @@
           <a:p>
             <a:fld id="{844E8EA4-4312-9C48-A4C4-CC98878E32B3}" type="datetimeFigureOut">
               <a:rPr lang="en-US" smtClean="0"/>
-              <a:t>7/19/18</a:t>
+              <a:t>7/29/18</a:t>
             </a:fld>
             <a:endParaRPr lang="en-US"/>
           </a:p>
@@ -2949,7 +2949,7 @@
           <a:p>
             <a:fld id="{844E8EA4-4312-9C48-A4C4-CC98878E32B3}" type="datetimeFigureOut">
               <a:rPr lang="en-US" smtClean="0"/>
-              <a:t>7/19/18</a:t>
+              <a:t>7/29/18</a:t>
             </a:fld>
             <a:endParaRPr lang="en-US"/>
           </a:p>
@@ -3202,7 +3202,7 @@
           <a:p>
             <a:fld id="{844E8EA4-4312-9C48-A4C4-CC98878E32B3}" type="datetimeFigureOut">
               <a:rPr lang="en-US" smtClean="0"/>
-              <a:t>7/19/18</a:t>
+              <a:t>7/29/18</a:t>
             </a:fld>
             <a:endParaRPr lang="en-US"/>
           </a:p>
@@ -3415,7 +3415,7 @@
           <a:p>
             <a:fld id="{844E8EA4-4312-9C48-A4C4-CC98878E32B3}" type="datetimeFigureOut">
               <a:rPr lang="en-US" smtClean="0"/>
-              <a:t>7/19/18</a:t>
+              <a:t>7/29/18</a:t>
             </a:fld>
             <a:endParaRPr lang="en-US"/>
           </a:p>
@@ -8602,7 +8602,7 @@
                 <a:latin typeface="Times New Roman"/>
                 <a:cs typeface="Times New Roman"/>
               </a:rPr>
-              <a:t>Amazon</a:t>
+              <a:t>Yahoo</a:t>
             </a:r>
             <a:endParaRPr lang="en-US" dirty="0">
               <a:latin typeface="Times New Roman"/>
@@ -8657,7 +8657,7 @@
                 <a:latin typeface="Times New Roman"/>
                 <a:cs typeface="Times New Roman"/>
               </a:rPr>
-              <a:t>Apple</a:t>
+              <a:t>Bing</a:t>
             </a:r>
             <a:endParaRPr lang="en-US" dirty="0">
               <a:latin typeface="Times New Roman"/>
@@ -9654,7 +9654,7 @@
                 <a:latin typeface="Times New Roman"/>
                 <a:cs typeface="Times New Roman"/>
               </a:rPr>
-              <a:t>Amazon</a:t>
+              <a:t>Yahoo</a:t>
             </a:r>
             <a:endParaRPr lang="en-US" dirty="0">
               <a:latin typeface="Times New Roman"/>
@@ -9709,7 +9709,7 @@
                 <a:latin typeface="Times New Roman"/>
                 <a:cs typeface="Times New Roman"/>
               </a:rPr>
-              <a:t>Apple</a:t>
+              <a:t>Bing</a:t>
             </a:r>
             <a:endParaRPr lang="en-US" dirty="0">
               <a:latin typeface="Times New Roman"/>
@@ -10851,7 +10851,7 @@
                 <a:latin typeface="Times New Roman"/>
                 <a:cs typeface="Times New Roman"/>
               </a:rPr>
-              <a:t>Amazon</a:t>
+              <a:t>Yahoo</a:t>
             </a:r>
             <a:endParaRPr lang="en-US" dirty="0">
               <a:latin typeface="Times New Roman"/>
@@ -10902,11 +10902,11 @@
           <a:p>
             <a:pPr algn="ctr"/>
             <a:r>
-              <a:rPr lang="en-US" dirty="0" smtClean="0">
+              <a:rPr lang="en-US" smtClean="0">
                 <a:latin typeface="Times New Roman"/>
                 <a:cs typeface="Times New Roman"/>
               </a:rPr>
-              <a:t>Apple</a:t>
+              <a:t>Bing</a:t>
             </a:r>
             <a:endParaRPr lang="en-US" dirty="0">
               <a:latin typeface="Times New Roman"/>
